--- a/PSD/操作説明(ストップ人狼).pptx
+++ b/PSD/操作説明(ストップ人狼).pptx
@@ -243,7 +243,7 @@
           <a:p>
             <a:fld id="{3DE19328-0B18-4B19-9CB0-D4BB2A53BF0E}" type="datetimeFigureOut">
               <a:rPr kumimoji="1" lang="ja-JP" altLang="en-US" smtClean="0"/>
-              <a:t>2022/12/19</a:t>
+              <a:t>2022/12/21</a:t>
             </a:fld>
             <a:endParaRPr kumimoji="1" lang="ja-JP" altLang="en-US"/>
           </a:p>
@@ -445,7 +445,7 @@
           <a:p>
             <a:fld id="{3DE19328-0B18-4B19-9CB0-D4BB2A53BF0E}" type="datetimeFigureOut">
               <a:rPr kumimoji="1" lang="ja-JP" altLang="en-US" smtClean="0"/>
-              <a:t>2022/12/19</a:t>
+              <a:t>2022/12/21</a:t>
             </a:fld>
             <a:endParaRPr kumimoji="1" lang="ja-JP" altLang="en-US"/>
           </a:p>
@@ -657,7 +657,7 @@
           <a:p>
             <a:fld id="{3DE19328-0B18-4B19-9CB0-D4BB2A53BF0E}" type="datetimeFigureOut">
               <a:rPr kumimoji="1" lang="ja-JP" altLang="en-US" smtClean="0"/>
-              <a:t>2022/12/19</a:t>
+              <a:t>2022/12/21</a:t>
             </a:fld>
             <a:endParaRPr kumimoji="1" lang="ja-JP" altLang="en-US"/>
           </a:p>
@@ -859,7 +859,7 @@
           <a:p>
             <a:fld id="{3DE19328-0B18-4B19-9CB0-D4BB2A53BF0E}" type="datetimeFigureOut">
               <a:rPr kumimoji="1" lang="ja-JP" altLang="en-US" smtClean="0"/>
-              <a:t>2022/12/19</a:t>
+              <a:t>2022/12/21</a:t>
             </a:fld>
             <a:endParaRPr kumimoji="1" lang="ja-JP" altLang="en-US"/>
           </a:p>
@@ -1105,7 +1105,7 @@
           <a:p>
             <a:fld id="{3DE19328-0B18-4B19-9CB0-D4BB2A53BF0E}" type="datetimeFigureOut">
               <a:rPr kumimoji="1" lang="ja-JP" altLang="en-US" smtClean="0"/>
-              <a:t>2022/12/19</a:t>
+              <a:t>2022/12/21</a:t>
             </a:fld>
             <a:endParaRPr kumimoji="1" lang="ja-JP" altLang="en-US"/>
           </a:p>
@@ -1401,7 +1401,7 @@
           <a:p>
             <a:fld id="{3DE19328-0B18-4B19-9CB0-D4BB2A53BF0E}" type="datetimeFigureOut">
               <a:rPr kumimoji="1" lang="ja-JP" altLang="en-US" smtClean="0"/>
-              <a:t>2022/12/19</a:t>
+              <a:t>2022/12/21</a:t>
             </a:fld>
             <a:endParaRPr kumimoji="1" lang="ja-JP" altLang="en-US"/>
           </a:p>
@@ -1832,7 +1832,7 @@
           <a:p>
             <a:fld id="{3DE19328-0B18-4B19-9CB0-D4BB2A53BF0E}" type="datetimeFigureOut">
               <a:rPr kumimoji="1" lang="ja-JP" altLang="en-US" smtClean="0"/>
-              <a:t>2022/12/19</a:t>
+              <a:t>2022/12/21</a:t>
             </a:fld>
             <a:endParaRPr kumimoji="1" lang="ja-JP" altLang="en-US"/>
           </a:p>
@@ -1950,7 +1950,7 @@
           <a:p>
             <a:fld id="{3DE19328-0B18-4B19-9CB0-D4BB2A53BF0E}" type="datetimeFigureOut">
               <a:rPr kumimoji="1" lang="ja-JP" altLang="en-US" smtClean="0"/>
-              <a:t>2022/12/19</a:t>
+              <a:t>2022/12/21</a:t>
             </a:fld>
             <a:endParaRPr kumimoji="1" lang="ja-JP" altLang="en-US"/>
           </a:p>
@@ -2045,7 +2045,7 @@
           <a:p>
             <a:fld id="{3DE19328-0B18-4B19-9CB0-D4BB2A53BF0E}" type="datetimeFigureOut">
               <a:rPr kumimoji="1" lang="ja-JP" altLang="en-US" smtClean="0"/>
-              <a:t>2022/12/19</a:t>
+              <a:t>2022/12/21</a:t>
             </a:fld>
             <a:endParaRPr kumimoji="1" lang="ja-JP" altLang="en-US"/>
           </a:p>
@@ -2354,7 +2354,7 @@
           <a:p>
             <a:fld id="{3DE19328-0B18-4B19-9CB0-D4BB2A53BF0E}" type="datetimeFigureOut">
               <a:rPr kumimoji="1" lang="ja-JP" altLang="en-US" smtClean="0"/>
-              <a:t>2022/12/19</a:t>
+              <a:t>2022/12/21</a:t>
             </a:fld>
             <a:endParaRPr kumimoji="1" lang="ja-JP" altLang="en-US"/>
           </a:p>
@@ -2607,7 +2607,7 @@
           <a:p>
             <a:fld id="{3DE19328-0B18-4B19-9CB0-D4BB2A53BF0E}" type="datetimeFigureOut">
               <a:rPr kumimoji="1" lang="ja-JP" altLang="en-US" smtClean="0"/>
-              <a:t>2022/12/19</a:t>
+              <a:t>2022/12/21</a:t>
             </a:fld>
             <a:endParaRPr kumimoji="1" lang="ja-JP" altLang="en-US"/>
           </a:p>
@@ -2852,7 +2852,7 @@
           <a:p>
             <a:fld id="{3DE19328-0B18-4B19-9CB0-D4BB2A53BF0E}" type="datetimeFigureOut">
               <a:rPr kumimoji="1" lang="ja-JP" altLang="en-US" smtClean="0"/>
-              <a:t>2022/12/19</a:t>
+              <a:t>2022/12/21</a:t>
             </a:fld>
             <a:endParaRPr kumimoji="1" lang="ja-JP" altLang="en-US"/>
           </a:p>
@@ -3382,7 +3382,7 @@
         <p:spPr>
           <a:xfrm>
             <a:off x="255598" y="732264"/>
-            <a:ext cx="11534887" cy="3544705"/>
+            <a:ext cx="11376625" cy="3544705"/>
           </a:xfrm>
           <a:prstGeom prst="roundRect">
             <a:avLst/>
@@ -3460,8 +3460,8 @@
         </p:nvSpPr>
         <p:spPr>
           <a:xfrm>
-            <a:off x="290280" y="4666423"/>
-            <a:ext cx="11500205" cy="2002393"/>
+            <a:off x="290281" y="4666423"/>
+            <a:ext cx="11196870" cy="2002393"/>
           </a:xfrm>
           <a:prstGeom prst="roundRect">
             <a:avLst/>
